--- a/ProjectPresentation.pptx
+++ b/ProjectPresentation.pptx
@@ -5,15 +5,17 @@
     <p:sldMasterId id="2147483723" r:id="rId1"/>
   </p:sldMasterIdLst>
   <p:notesMasterIdLst>
-    <p:notesMasterId r:id="rId8"/>
+    <p:notesMasterId r:id="rId10"/>
   </p:notesMasterIdLst>
   <p:sldIdLst>
     <p:sldId id="256" r:id="rId2"/>
     <p:sldId id="257" r:id="rId3"/>
-    <p:sldId id="260" r:id="rId4"/>
-    <p:sldId id="261" r:id="rId5"/>
-    <p:sldId id="258" r:id="rId6"/>
-    <p:sldId id="259" r:id="rId7"/>
+    <p:sldId id="261" r:id="rId4"/>
+    <p:sldId id="264" r:id="rId5"/>
+    <p:sldId id="260" r:id="rId6"/>
+    <p:sldId id="262" r:id="rId7"/>
+    <p:sldId id="258" r:id="rId8"/>
+    <p:sldId id="259" r:id="rId9"/>
   </p:sldIdLst>
   <p:sldSz cx="12192000" cy="6858000"/>
   <p:notesSz cx="6858000" cy="9144000"/>
@@ -112,6 +114,11 @@
       </a:defRPr>
     </a:lvl9pPr>
   </p:defaultTextStyle>
+  <p:extLst>
+    <p:ext uri="{EFAFB233-063F-42B5-8137-9DF3F51BA10A}">
+      <p15:sldGuideLst xmlns:p15="http://schemas.microsoft.com/office/powerpoint/2012/main"/>
+    </p:ext>
+  </p:extLst>
 </p:presentation>
 </file>
 
@@ -197,7 +204,7 @@
           <a:p>
             <a:fld id="{639DA806-DA3F-3F4F-A3F2-AE8D69D29E8E}" type="datetimeFigureOut">
               <a:rPr lang="de-DE" smtClean="0"/>
-              <a:t>15.06.23</a:t>
+              <a:t>16.06.23</a:t>
             </a:fld>
             <a:endParaRPr lang="de-DE"/>
           </a:p>
@@ -634,7 +641,7 @@
           <a:p>
             <a:fld id="{5BAE6A01-4E8F-2442-A80B-DE0AA2A3A086}" type="datetime1">
               <a:rPr lang="de-DE" smtClean="0"/>
-              <a:t>15.06.23</a:t>
+              <a:t>16.06.23</a:t>
             </a:fld>
             <a:endParaRPr lang="en-US" dirty="0"/>
           </a:p>
@@ -901,7 +908,7 @@
           <a:p>
             <a:fld id="{A4704D2B-AD14-5F4A-82AF-627F3B54C3B8}" type="datetime1">
               <a:rPr lang="de-DE" smtClean="0"/>
-              <a:t>15.06.23</a:t>
+              <a:t>16.06.23</a:t>
             </a:fld>
             <a:endParaRPr lang="en-US" dirty="0"/>
           </a:p>
@@ -1132,7 +1139,7 @@
           <a:p>
             <a:fld id="{1FA6DDE5-235D-9C4A-8CD4-A0D67C16DF64}" type="datetime1">
               <a:rPr lang="de-DE" smtClean="0"/>
-              <a:t>15.06.23</a:t>
+              <a:t>16.06.23</a:t>
             </a:fld>
             <a:endParaRPr lang="en-US" dirty="0"/>
           </a:p>
@@ -1442,7 +1449,7 @@
           <a:p>
             <a:fld id="{8C9E0862-0EE7-4843-9A96-A0A78B877EC4}" type="datetime1">
               <a:rPr lang="de-DE" smtClean="0"/>
-              <a:t>15.06.23</a:t>
+              <a:t>16.06.23</a:t>
             </a:fld>
             <a:endParaRPr lang="en-US" dirty="0"/>
           </a:p>
@@ -1915,7 +1922,7 @@
           <a:p>
             <a:fld id="{4BB1A29D-1EBF-3041-AD42-B3DEE0F0FEFC}" type="datetime1">
               <a:rPr lang="de-DE" smtClean="0"/>
-              <a:t>15.06.23</a:t>
+              <a:t>16.06.23</a:t>
             </a:fld>
             <a:endParaRPr lang="en-US" dirty="0"/>
           </a:p>
@@ -2462,7 +2469,7 @@
           <a:p>
             <a:fld id="{57FC1363-4E58-BC4F-A225-183C7AFD3D44}" type="datetime1">
               <a:rPr lang="de-DE" smtClean="0"/>
-              <a:t>15.06.23</a:t>
+              <a:t>16.06.23</a:t>
             </a:fld>
             <a:endParaRPr lang="en-US" dirty="0"/>
           </a:p>
@@ -3236,7 +3243,7 @@
           <a:p>
             <a:fld id="{F0DA5209-CE7B-594B-8B47-379EBB36F082}" type="datetime1">
               <a:rPr lang="de-DE" smtClean="0"/>
-              <a:t>15.06.23</a:t>
+              <a:t>16.06.23</a:t>
             </a:fld>
             <a:endParaRPr lang="en-US" dirty="0"/>
           </a:p>
@@ -3411,7 +3418,7 @@
           <a:p>
             <a:fld id="{3D07CBF9-4764-AF4A-84C4-090A163DBFE4}" type="datetime1">
               <a:rPr lang="de-DE" smtClean="0"/>
-              <a:t>15.06.23</a:t>
+              <a:t>16.06.23</a:t>
             </a:fld>
             <a:endParaRPr lang="en-US" dirty="0"/>
           </a:p>
@@ -3634,7 +3641,7 @@
           <a:p>
             <a:fld id="{A8E94572-2A4F-B347-A40C-EFC13E837B98}" type="datetime1">
               <a:rPr lang="de-DE" smtClean="0"/>
-              <a:t>15.06.23</a:t>
+              <a:t>16.06.23</a:t>
             </a:fld>
             <a:endParaRPr lang="en-US" dirty="0"/>
           </a:p>
@@ -3814,7 +3821,7 @@
           <a:p>
             <a:fld id="{4B89D776-7214-E44D-A492-2D530B444FBC}" type="datetime1">
               <a:rPr lang="de-DE" smtClean="0"/>
-              <a:t>15.06.23</a:t>
+              <a:t>16.06.23</a:t>
             </a:fld>
             <a:endParaRPr lang="en-US" dirty="0"/>
           </a:p>
@@ -4103,7 +4110,7 @@
           <a:p>
             <a:fld id="{6AD300AD-3E1C-E74D-95D6-02254F423DF4}" type="datetime1">
               <a:rPr lang="de-DE" smtClean="0"/>
-              <a:t>15.06.23</a:t>
+              <a:t>16.06.23</a:t>
             </a:fld>
             <a:endParaRPr lang="en-US" dirty="0"/>
           </a:p>
@@ -4345,7 +4352,7 @@
           <a:p>
             <a:fld id="{638FCE12-DAC8-2248-800A-20FA547CA1B4}" type="datetime1">
               <a:rPr lang="de-DE" smtClean="0"/>
-              <a:t>15.06.23</a:t>
+              <a:t>16.06.23</a:t>
             </a:fld>
             <a:endParaRPr lang="en-US" dirty="0"/>
           </a:p>
@@ -4724,7 +4731,7 @@
           <a:p>
             <a:fld id="{91EC884A-9429-3E42-96AF-E2B01EE5C8F1}" type="datetime1">
               <a:rPr lang="de-DE" smtClean="0"/>
-              <a:t>15.06.23</a:t>
+              <a:t>16.06.23</a:t>
             </a:fld>
             <a:endParaRPr lang="en-US" dirty="0"/>
           </a:p>
@@ -4842,7 +4849,7 @@
           <a:p>
             <a:fld id="{C82B4A74-C7AE-ED48-99A8-02333C8F6188}" type="datetime1">
               <a:rPr lang="de-DE" smtClean="0"/>
-              <a:t>15.06.23</a:t>
+              <a:t>16.06.23</a:t>
             </a:fld>
             <a:endParaRPr lang="en-US" dirty="0"/>
           </a:p>
@@ -4937,7 +4944,7 @@
           <a:p>
             <a:fld id="{11BCDD48-9590-9E42-84A1-2B1F72B5A69D}" type="datetime1">
               <a:rPr lang="de-DE" smtClean="0"/>
-              <a:t>15.06.23</a:t>
+              <a:t>16.06.23</a:t>
             </a:fld>
             <a:endParaRPr lang="en-US" dirty="0"/>
           </a:p>
@@ -5186,7 +5193,7 @@
           <a:p>
             <a:fld id="{42462634-673D-7643-904F-C0A3FB874CAC}" type="datetime1">
               <a:rPr lang="de-DE" smtClean="0"/>
-              <a:t>15.06.23</a:t>
+              <a:t>16.06.23</a:t>
             </a:fld>
             <a:endParaRPr lang="en-US" dirty="0"/>
           </a:p>
@@ -5443,7 +5450,7 @@
           <a:p>
             <a:fld id="{53D86120-5BE1-1641-A9F6-24F0B6E2863D}" type="datetime1">
               <a:rPr lang="de-DE" smtClean="0"/>
-              <a:t>15.06.23</a:t>
+              <a:t>16.06.23</a:t>
             </a:fld>
             <a:endParaRPr lang="en-US" dirty="0"/>
           </a:p>
@@ -5686,7 +5693,7 @@
           <a:p>
             <a:fld id="{B4454052-556B-4543-A10F-F513BE6F1E89}" type="datetime1">
               <a:rPr lang="de-DE" smtClean="0"/>
-              <a:t>15.06.23</a:t>
+              <a:t>16.06.23</a:t>
             </a:fld>
             <a:endParaRPr lang="en-US" dirty="0"/>
           </a:p>
@@ -6295,6 +6302,93 @@
             <a:endParaRPr lang="de-DE" dirty="0"/>
           </a:p>
           <a:p>
+            <a:pPr lvl="2"/>
+            <a:r>
+              <a:rPr lang="de-DE" dirty="0"/>
+              <a:t>Maze</a:t>
+            </a:r>
+          </a:p>
+          <a:p>
+            <a:pPr lvl="2"/>
+            <a:r>
+              <a:rPr lang="de-DE" dirty="0" err="1"/>
+              <a:t>Inventory</a:t>
+            </a:r>
+            <a:r>
+              <a:rPr lang="de-DE" dirty="0"/>
+              <a:t> </a:t>
+            </a:r>
+          </a:p>
+          <a:p>
+            <a:pPr lvl="3"/>
+            <a:r>
+              <a:rPr lang="de-DE" dirty="0"/>
+              <a:t>Flashlight</a:t>
+            </a:r>
+          </a:p>
+          <a:p>
+            <a:pPr lvl="3"/>
+            <a:r>
+              <a:rPr lang="de-DE" dirty="0" err="1"/>
+              <a:t>Map</a:t>
+            </a:r>
+            <a:r>
+              <a:rPr lang="de-DE" dirty="0"/>
+              <a:t>??</a:t>
+            </a:r>
+          </a:p>
+          <a:p>
+            <a:pPr lvl="2"/>
+            <a:r>
+              <a:rPr lang="de-DE" dirty="0"/>
+              <a:t>NPC </a:t>
+            </a:r>
+            <a:r>
+              <a:rPr lang="de-DE" dirty="0" err="1"/>
+              <a:t>Enemies</a:t>
+            </a:r>
+            <a:r>
+              <a:rPr lang="de-DE" dirty="0"/>
+              <a:t> -&gt; </a:t>
+            </a:r>
+            <a:r>
+              <a:rPr lang="de-DE" dirty="0" err="1"/>
+              <a:t>Ghosts</a:t>
+            </a:r>
+            <a:r>
+              <a:rPr lang="de-DE" dirty="0"/>
+              <a:t> </a:t>
+            </a:r>
+          </a:p>
+          <a:p>
+            <a:pPr lvl="3"/>
+            <a:r>
+              <a:rPr lang="de-DE" dirty="0" err="1"/>
+              <a:t>Healthsystem</a:t>
+            </a:r>
+            <a:endParaRPr lang="de-DE" dirty="0"/>
+          </a:p>
+          <a:p>
+            <a:pPr lvl="2"/>
+            <a:r>
+              <a:rPr lang="de-DE" dirty="0" err="1"/>
+              <a:t>Treasure</a:t>
+            </a:r>
+            <a:endParaRPr lang="de-DE" dirty="0"/>
+          </a:p>
+          <a:p>
+            <a:pPr lvl="2"/>
+            <a:r>
+              <a:rPr lang="de-DE" dirty="0" err="1"/>
+              <a:t>Chatting</a:t>
+            </a:r>
+            <a:r>
+              <a:rPr lang="de-DE" dirty="0"/>
+              <a:t> System </a:t>
+            </a:r>
+          </a:p>
+          <a:p>
+            <a:pPr lvl="2"/>
             <a:endParaRPr lang="de-DE" dirty="0"/>
           </a:p>
           <a:p>
@@ -6325,7 +6419,7 @@
           <a:p>
             <a:fld id="{385BD1B3-F5E0-9147-9D1D-DFC9A799EE1A}" type="datetime1">
               <a:rPr lang="de-DE" smtClean="0"/>
-              <a:t>15.06.23</a:t>
+              <a:t>16.06.23</a:t>
             </a:fld>
             <a:endParaRPr lang="en-US" dirty="0"/>
           </a:p>
@@ -6370,6 +6464,486 @@
   <p:clrMapOvr>
     <a:masterClrMapping/>
   </p:clrMapOvr>
+  <p:timing>
+    <p:tnLst>
+      <p:par>
+        <p:cTn id="1" dur="indefinite" restart="never" nodeType="tmRoot">
+          <p:childTnLst>
+            <p:seq concurrent="1" nextAc="seek">
+              <p:cTn id="2" dur="indefinite" nodeType="mainSeq">
+                <p:childTnLst>
+                  <p:par>
+                    <p:cTn id="3" fill="hold">
+                      <p:stCondLst>
+                        <p:cond delay="indefinite"/>
+                      </p:stCondLst>
+                      <p:childTnLst>
+                        <p:par>
+                          <p:cTn id="4" fill="hold">
+                            <p:stCondLst>
+                              <p:cond delay="0"/>
+                            </p:stCondLst>
+                            <p:childTnLst>
+                              <p:par>
+                                <p:cTn id="5" presetID="12" presetClass="entr" presetSubtype="4" fill="hold" nodeType="clickEffect">
+                                  <p:stCondLst>
+                                    <p:cond delay="0"/>
+                                  </p:stCondLst>
+                                  <p:childTnLst>
+                                    <p:set>
+                                      <p:cBhvr>
+                                        <p:cTn id="6" dur="1" fill="hold">
+                                          <p:stCondLst>
+                                            <p:cond delay="0"/>
+                                          </p:stCondLst>
+                                        </p:cTn>
+                                        <p:tgtEl>
+                                          <p:spTgt spid="3">
+                                            <p:txEl>
+                                              <p:pRg st="0" end="0"/>
+                                            </p:txEl>
+                                          </p:spTgt>
+                                        </p:tgtEl>
+                                        <p:attrNameLst>
+                                          <p:attrName>style.visibility</p:attrName>
+                                        </p:attrNameLst>
+                                      </p:cBhvr>
+                                      <p:to>
+                                        <p:strVal val="visible"/>
+                                      </p:to>
+                                    </p:set>
+                                    <p:anim calcmode="lin" valueType="num">
+                                      <p:cBhvr additive="base">
+                                        <p:cTn id="7" dur="500"/>
+                                        <p:tgtEl>
+                                          <p:spTgt spid="3">
+                                            <p:txEl>
+                                              <p:pRg st="0" end="0"/>
+                                            </p:txEl>
+                                          </p:spTgt>
+                                        </p:tgtEl>
+                                        <p:attrNameLst>
+                                          <p:attrName>ppt_y</p:attrName>
+                                        </p:attrNameLst>
+                                      </p:cBhvr>
+                                      <p:tavLst>
+                                        <p:tav tm="0">
+                                          <p:val>
+                                            <p:strVal val="#ppt_y+#ppt_h*1.125000"/>
+                                          </p:val>
+                                        </p:tav>
+                                        <p:tav tm="100000">
+                                          <p:val>
+                                            <p:strVal val="#ppt_y"/>
+                                          </p:val>
+                                        </p:tav>
+                                      </p:tavLst>
+                                    </p:anim>
+                                    <p:animEffect transition="in" filter="wipe(up)">
+                                      <p:cBhvr>
+                                        <p:cTn id="8" dur="500"/>
+                                        <p:tgtEl>
+                                          <p:spTgt spid="3">
+                                            <p:txEl>
+                                              <p:pRg st="0" end="0"/>
+                                            </p:txEl>
+                                          </p:spTgt>
+                                        </p:tgtEl>
+                                      </p:cBhvr>
+                                    </p:animEffect>
+                                  </p:childTnLst>
+                                </p:cTn>
+                              </p:par>
+                            </p:childTnLst>
+                          </p:cTn>
+                        </p:par>
+                      </p:childTnLst>
+                    </p:cTn>
+                  </p:par>
+                  <p:par>
+                    <p:cTn id="9" fill="hold">
+                      <p:stCondLst>
+                        <p:cond delay="indefinite"/>
+                      </p:stCondLst>
+                      <p:childTnLst>
+                        <p:par>
+                          <p:cTn id="10" fill="hold">
+                            <p:stCondLst>
+                              <p:cond delay="0"/>
+                            </p:stCondLst>
+                            <p:childTnLst>
+                              <p:par>
+                                <p:cTn id="11" presetID="9" presetClass="entr" presetSubtype="0" fill="hold" nodeType="clickEffect">
+                                  <p:stCondLst>
+                                    <p:cond delay="0"/>
+                                  </p:stCondLst>
+                                  <p:childTnLst>
+                                    <p:set>
+                                      <p:cBhvr>
+                                        <p:cTn id="12" dur="1" fill="hold">
+                                          <p:stCondLst>
+                                            <p:cond delay="0"/>
+                                          </p:stCondLst>
+                                        </p:cTn>
+                                        <p:tgtEl>
+                                          <p:spTgt spid="3">
+                                            <p:txEl>
+                                              <p:pRg st="1" end="1"/>
+                                            </p:txEl>
+                                          </p:spTgt>
+                                        </p:tgtEl>
+                                        <p:attrNameLst>
+                                          <p:attrName>style.visibility</p:attrName>
+                                        </p:attrNameLst>
+                                      </p:cBhvr>
+                                      <p:to>
+                                        <p:strVal val="visible"/>
+                                      </p:to>
+                                    </p:set>
+                                    <p:animEffect transition="in" filter="dissolve">
+                                      <p:cBhvr>
+                                        <p:cTn id="13" dur="500"/>
+                                        <p:tgtEl>
+                                          <p:spTgt spid="3">
+                                            <p:txEl>
+                                              <p:pRg st="1" end="1"/>
+                                            </p:txEl>
+                                          </p:spTgt>
+                                        </p:tgtEl>
+                                      </p:cBhvr>
+                                    </p:animEffect>
+                                  </p:childTnLst>
+                                </p:cTn>
+                              </p:par>
+                              <p:par>
+                                <p:cTn id="14" presetID="9" presetClass="entr" presetSubtype="0" fill="hold" nodeType="withEffect">
+                                  <p:stCondLst>
+                                    <p:cond delay="0"/>
+                                  </p:stCondLst>
+                                  <p:childTnLst>
+                                    <p:set>
+                                      <p:cBhvr>
+                                        <p:cTn id="15" dur="1" fill="hold">
+                                          <p:stCondLst>
+                                            <p:cond delay="0"/>
+                                          </p:stCondLst>
+                                        </p:cTn>
+                                        <p:tgtEl>
+                                          <p:spTgt spid="3">
+                                            <p:txEl>
+                                              <p:pRg st="2" end="2"/>
+                                            </p:txEl>
+                                          </p:spTgt>
+                                        </p:tgtEl>
+                                        <p:attrNameLst>
+                                          <p:attrName>style.visibility</p:attrName>
+                                        </p:attrNameLst>
+                                      </p:cBhvr>
+                                      <p:to>
+                                        <p:strVal val="visible"/>
+                                      </p:to>
+                                    </p:set>
+                                    <p:animEffect transition="in" filter="dissolve">
+                                      <p:cBhvr>
+                                        <p:cTn id="16" dur="500"/>
+                                        <p:tgtEl>
+                                          <p:spTgt spid="3">
+                                            <p:txEl>
+                                              <p:pRg st="2" end="2"/>
+                                            </p:txEl>
+                                          </p:spTgt>
+                                        </p:tgtEl>
+                                      </p:cBhvr>
+                                    </p:animEffect>
+                                  </p:childTnLst>
+                                </p:cTn>
+                              </p:par>
+                              <p:par>
+                                <p:cTn id="17" presetID="9" presetClass="entr" presetSubtype="0" fill="hold" nodeType="withEffect">
+                                  <p:stCondLst>
+                                    <p:cond delay="0"/>
+                                  </p:stCondLst>
+                                  <p:childTnLst>
+                                    <p:set>
+                                      <p:cBhvr>
+                                        <p:cTn id="18" dur="1" fill="hold">
+                                          <p:stCondLst>
+                                            <p:cond delay="0"/>
+                                          </p:stCondLst>
+                                        </p:cTn>
+                                        <p:tgtEl>
+                                          <p:spTgt spid="3">
+                                            <p:txEl>
+                                              <p:pRg st="3" end="3"/>
+                                            </p:txEl>
+                                          </p:spTgt>
+                                        </p:tgtEl>
+                                        <p:attrNameLst>
+                                          <p:attrName>style.visibility</p:attrName>
+                                        </p:attrNameLst>
+                                      </p:cBhvr>
+                                      <p:to>
+                                        <p:strVal val="visible"/>
+                                      </p:to>
+                                    </p:set>
+                                    <p:animEffect transition="in" filter="dissolve">
+                                      <p:cBhvr>
+                                        <p:cTn id="19" dur="500"/>
+                                        <p:tgtEl>
+                                          <p:spTgt spid="3">
+                                            <p:txEl>
+                                              <p:pRg st="3" end="3"/>
+                                            </p:txEl>
+                                          </p:spTgt>
+                                        </p:tgtEl>
+                                      </p:cBhvr>
+                                    </p:animEffect>
+                                  </p:childTnLst>
+                                </p:cTn>
+                              </p:par>
+                              <p:par>
+                                <p:cTn id="20" presetID="9" presetClass="entr" presetSubtype="0" fill="hold" nodeType="withEffect">
+                                  <p:stCondLst>
+                                    <p:cond delay="0"/>
+                                  </p:stCondLst>
+                                  <p:childTnLst>
+                                    <p:set>
+                                      <p:cBhvr>
+                                        <p:cTn id="21" dur="1" fill="hold">
+                                          <p:stCondLst>
+                                            <p:cond delay="0"/>
+                                          </p:stCondLst>
+                                        </p:cTn>
+                                        <p:tgtEl>
+                                          <p:spTgt spid="3">
+                                            <p:txEl>
+                                              <p:pRg st="4" end="4"/>
+                                            </p:txEl>
+                                          </p:spTgt>
+                                        </p:tgtEl>
+                                        <p:attrNameLst>
+                                          <p:attrName>style.visibility</p:attrName>
+                                        </p:attrNameLst>
+                                      </p:cBhvr>
+                                      <p:to>
+                                        <p:strVal val="visible"/>
+                                      </p:to>
+                                    </p:set>
+                                    <p:animEffect transition="in" filter="dissolve">
+                                      <p:cBhvr>
+                                        <p:cTn id="22" dur="500"/>
+                                        <p:tgtEl>
+                                          <p:spTgt spid="3">
+                                            <p:txEl>
+                                              <p:pRg st="4" end="4"/>
+                                            </p:txEl>
+                                          </p:spTgt>
+                                        </p:tgtEl>
+                                      </p:cBhvr>
+                                    </p:animEffect>
+                                  </p:childTnLst>
+                                </p:cTn>
+                              </p:par>
+                              <p:par>
+                                <p:cTn id="23" presetID="9" presetClass="entr" presetSubtype="0" fill="hold" nodeType="withEffect">
+                                  <p:stCondLst>
+                                    <p:cond delay="0"/>
+                                  </p:stCondLst>
+                                  <p:childTnLst>
+                                    <p:set>
+                                      <p:cBhvr>
+                                        <p:cTn id="24" dur="1" fill="hold">
+                                          <p:stCondLst>
+                                            <p:cond delay="0"/>
+                                          </p:stCondLst>
+                                        </p:cTn>
+                                        <p:tgtEl>
+                                          <p:spTgt spid="3">
+                                            <p:txEl>
+                                              <p:pRg st="5" end="5"/>
+                                            </p:txEl>
+                                          </p:spTgt>
+                                        </p:tgtEl>
+                                        <p:attrNameLst>
+                                          <p:attrName>style.visibility</p:attrName>
+                                        </p:attrNameLst>
+                                      </p:cBhvr>
+                                      <p:to>
+                                        <p:strVal val="visible"/>
+                                      </p:to>
+                                    </p:set>
+                                    <p:animEffect transition="in" filter="dissolve">
+                                      <p:cBhvr>
+                                        <p:cTn id="25" dur="500"/>
+                                        <p:tgtEl>
+                                          <p:spTgt spid="3">
+                                            <p:txEl>
+                                              <p:pRg st="5" end="5"/>
+                                            </p:txEl>
+                                          </p:spTgt>
+                                        </p:tgtEl>
+                                      </p:cBhvr>
+                                    </p:animEffect>
+                                  </p:childTnLst>
+                                </p:cTn>
+                              </p:par>
+                              <p:par>
+                                <p:cTn id="26" presetID="9" presetClass="entr" presetSubtype="0" fill="hold" nodeType="withEffect">
+                                  <p:stCondLst>
+                                    <p:cond delay="0"/>
+                                  </p:stCondLst>
+                                  <p:childTnLst>
+                                    <p:set>
+                                      <p:cBhvr>
+                                        <p:cTn id="27" dur="1" fill="hold">
+                                          <p:stCondLst>
+                                            <p:cond delay="0"/>
+                                          </p:stCondLst>
+                                        </p:cTn>
+                                        <p:tgtEl>
+                                          <p:spTgt spid="3">
+                                            <p:txEl>
+                                              <p:pRg st="6" end="6"/>
+                                            </p:txEl>
+                                          </p:spTgt>
+                                        </p:tgtEl>
+                                        <p:attrNameLst>
+                                          <p:attrName>style.visibility</p:attrName>
+                                        </p:attrNameLst>
+                                      </p:cBhvr>
+                                      <p:to>
+                                        <p:strVal val="visible"/>
+                                      </p:to>
+                                    </p:set>
+                                    <p:animEffect transition="in" filter="dissolve">
+                                      <p:cBhvr>
+                                        <p:cTn id="28" dur="500"/>
+                                        <p:tgtEl>
+                                          <p:spTgt spid="3">
+                                            <p:txEl>
+                                              <p:pRg st="6" end="6"/>
+                                            </p:txEl>
+                                          </p:spTgt>
+                                        </p:tgtEl>
+                                      </p:cBhvr>
+                                    </p:animEffect>
+                                  </p:childTnLst>
+                                </p:cTn>
+                              </p:par>
+                              <p:par>
+                                <p:cTn id="29" presetID="9" presetClass="entr" presetSubtype="0" fill="hold" nodeType="withEffect">
+                                  <p:stCondLst>
+                                    <p:cond delay="0"/>
+                                  </p:stCondLst>
+                                  <p:childTnLst>
+                                    <p:set>
+                                      <p:cBhvr>
+                                        <p:cTn id="30" dur="1" fill="hold">
+                                          <p:stCondLst>
+                                            <p:cond delay="0"/>
+                                          </p:stCondLst>
+                                        </p:cTn>
+                                        <p:tgtEl>
+                                          <p:spTgt spid="3">
+                                            <p:txEl>
+                                              <p:pRg st="7" end="7"/>
+                                            </p:txEl>
+                                          </p:spTgt>
+                                        </p:tgtEl>
+                                        <p:attrNameLst>
+                                          <p:attrName>style.visibility</p:attrName>
+                                        </p:attrNameLst>
+                                      </p:cBhvr>
+                                      <p:to>
+                                        <p:strVal val="visible"/>
+                                      </p:to>
+                                    </p:set>
+                                    <p:animEffect transition="in" filter="dissolve">
+                                      <p:cBhvr>
+                                        <p:cTn id="31" dur="500"/>
+                                        <p:tgtEl>
+                                          <p:spTgt spid="3">
+                                            <p:txEl>
+                                              <p:pRg st="7" end="7"/>
+                                            </p:txEl>
+                                          </p:spTgt>
+                                        </p:tgtEl>
+                                      </p:cBhvr>
+                                    </p:animEffect>
+                                  </p:childTnLst>
+                                </p:cTn>
+                              </p:par>
+                              <p:par>
+                                <p:cTn id="32" presetID="9" presetClass="entr" presetSubtype="0" fill="hold" nodeType="withEffect">
+                                  <p:stCondLst>
+                                    <p:cond delay="0"/>
+                                  </p:stCondLst>
+                                  <p:childTnLst>
+                                    <p:set>
+                                      <p:cBhvr>
+                                        <p:cTn id="33" dur="1" fill="hold">
+                                          <p:stCondLst>
+                                            <p:cond delay="0"/>
+                                          </p:stCondLst>
+                                        </p:cTn>
+                                        <p:tgtEl>
+                                          <p:spTgt spid="3">
+                                            <p:txEl>
+                                              <p:pRg st="8" end="8"/>
+                                            </p:txEl>
+                                          </p:spTgt>
+                                        </p:tgtEl>
+                                        <p:attrNameLst>
+                                          <p:attrName>style.visibility</p:attrName>
+                                        </p:attrNameLst>
+                                      </p:cBhvr>
+                                      <p:to>
+                                        <p:strVal val="visible"/>
+                                      </p:to>
+                                    </p:set>
+                                    <p:animEffect transition="in" filter="dissolve">
+                                      <p:cBhvr>
+                                        <p:cTn id="34" dur="500"/>
+                                        <p:tgtEl>
+                                          <p:spTgt spid="3">
+                                            <p:txEl>
+                                              <p:pRg st="8" end="8"/>
+                                            </p:txEl>
+                                          </p:spTgt>
+                                        </p:tgtEl>
+                                      </p:cBhvr>
+                                    </p:animEffect>
+                                  </p:childTnLst>
+                                </p:cTn>
+                              </p:par>
+                            </p:childTnLst>
+                          </p:cTn>
+                        </p:par>
+                      </p:childTnLst>
+                    </p:cTn>
+                  </p:par>
+                </p:childTnLst>
+              </p:cTn>
+              <p:prevCondLst>
+                <p:cond evt="onPrev" delay="0">
+                  <p:tgtEl>
+                    <p:sldTgt/>
+                  </p:tgtEl>
+                </p:cond>
+              </p:prevCondLst>
+              <p:nextCondLst>
+                <p:cond evt="onNext" delay="0">
+                  <p:tgtEl>
+                    <p:sldTgt/>
+                  </p:tgtEl>
+                </p:cond>
+              </p:nextCondLst>
+            </p:seq>
+          </p:childTnLst>
+        </p:cTn>
+      </p:par>
+    </p:tnLst>
+  </p:timing>
 </p:sld>
 </file>
 
@@ -6395,7 +6969,7 @@
           <p:cNvPr id="2" name="Titel 1">
             <a:extLst>
               <a:ext uri="{FF2B5EF4-FFF2-40B4-BE49-F238E27FC236}">
-                <a16:creationId xmlns:a16="http://schemas.microsoft.com/office/drawing/2014/main" id="{314A205A-ED8E-71D2-EE96-55DE52A44451}"/>
+                <a16:creationId xmlns:a16="http://schemas.microsoft.com/office/drawing/2014/main" id="{86744E0C-D049-A6E3-4158-D50C14AECD36}"/>
               </a:ext>
             </a:extLst>
           </p:cNvPr>
@@ -6413,11 +6987,11 @@
           <a:p>
             <a:r>
               <a:rPr lang="de-DE" dirty="0"/>
-              <a:t>Problems </a:t>
+              <a:t>Demonstration  </a:t>
             </a:r>
             <a:r>
               <a:rPr lang="de-DE" dirty="0" err="1"/>
-              <a:t>while</a:t>
+              <a:t>Of</a:t>
             </a:r>
             <a:r>
               <a:rPr lang="de-DE" dirty="0"/>
@@ -6425,18 +6999,21 @@
             </a:r>
             <a:r>
               <a:rPr lang="de-DE" dirty="0" err="1"/>
-              <a:t>Programming</a:t>
-            </a:r>
-            <a:endParaRPr lang="de-DE" dirty="0"/>
-          </a:p>
-        </p:txBody>
-      </p:sp>
-      <p:sp>
-        <p:nvSpPr>
-          <p:cNvPr id="3" name="Inhaltsplatzhalter 2">
+              <a:t>the</a:t>
+            </a:r>
+            <a:r>
+              <a:rPr lang="de-DE" dirty="0"/>
+              <a:t> Game</a:t>
+            </a:r>
+          </a:p>
+        </p:txBody>
+      </p:sp>
+      <p:sp>
+        <p:nvSpPr>
+          <p:cNvPr id="3" name="Textplatzhalter 2">
             <a:extLst>
               <a:ext uri="{FF2B5EF4-FFF2-40B4-BE49-F238E27FC236}">
-                <a16:creationId xmlns:a16="http://schemas.microsoft.com/office/drawing/2014/main" id="{C383D86E-5C62-8D6F-282B-415A518A5BB1}"/>
+                <a16:creationId xmlns:a16="http://schemas.microsoft.com/office/drawing/2014/main" id="{C98C9F81-8A68-AB70-AB8F-B55EDBBE05A2}"/>
               </a:ext>
             </a:extLst>
           </p:cNvPr>
@@ -6444,7 +7021,7 @@
             <a:spLocks noGrp="1"/>
           </p:cNvSpPr>
           <p:nvPr>
-            <p:ph idx="1"/>
+            <p:ph type="body" sz="half" idx="2"/>
           </p:nvPr>
         </p:nvSpPr>
         <p:spPr/>
@@ -6452,20 +7029,6 @@
           <a:bodyPr/>
           <a:lstStyle/>
           <a:p>
-            <a:r>
-              <a:rPr lang="de-DE" dirty="0" err="1"/>
-              <a:t>Pun</a:t>
-            </a:r>
-            <a:r>
-              <a:rPr lang="de-DE" dirty="0"/>
-              <a:t> Connection </a:t>
-            </a:r>
-          </a:p>
-          <a:p>
-            <a:r>
-              <a:rPr lang="de-DE" dirty="0" err="1"/>
-              <a:t>Inventory</a:t>
-            </a:r>
             <a:r>
               <a:rPr lang="de-DE" dirty="0"/>
               <a:t> </a:t>
@@ -6478,7 +7041,7 @@
           <p:cNvPr id="4" name="Datumsplatzhalter 3">
             <a:extLst>
               <a:ext uri="{FF2B5EF4-FFF2-40B4-BE49-F238E27FC236}">
-                <a16:creationId xmlns:a16="http://schemas.microsoft.com/office/drawing/2014/main" id="{DD81AA6D-BDBB-B590-5AE8-ABB560906CF7}"/>
+                <a16:creationId xmlns:a16="http://schemas.microsoft.com/office/drawing/2014/main" id="{E187FFDD-25BD-6C0E-C422-43E160B0BADD}"/>
               </a:ext>
             </a:extLst>
           </p:cNvPr>
@@ -6494,9 +7057,9 @@
           <a:bodyPr/>
           <a:lstStyle/>
           <a:p>
-            <a:fld id="{4CC3F9E4-3BB8-EE4D-908B-71AF73A8789E}" type="datetime1">
+            <a:fld id="{35A87C9C-AFF9-C641-BE01-D95F8A42C547}" type="datetime1">
               <a:rPr lang="de-DE" smtClean="0"/>
-              <a:t>15.06.23</a:t>
+              <a:t>16.06.23</a:t>
             </a:fld>
             <a:endParaRPr lang="en-US" dirty="0"/>
           </a:p>
@@ -6507,7 +7070,7 @@
           <p:cNvPr id="5" name="Foliennummernplatzhalter 4">
             <a:extLst>
               <a:ext uri="{FF2B5EF4-FFF2-40B4-BE49-F238E27FC236}">
-                <a16:creationId xmlns:a16="http://schemas.microsoft.com/office/drawing/2014/main" id="{0B23701B-9141-123F-2D91-5B8885947C90}"/>
+                <a16:creationId xmlns:a16="http://schemas.microsoft.com/office/drawing/2014/main" id="{426CCB5A-2AAD-35ED-339C-202ED9CE500C}"/>
               </a:ext>
             </a:extLst>
           </p:cNvPr>
@@ -6534,7 +7097,7 @@
     </p:spTree>
     <p:extLst>
       <p:ext uri="{BB962C8B-B14F-4D97-AF65-F5344CB8AC3E}">
-        <p14:creationId xmlns:p14="http://schemas.microsoft.com/office/powerpoint/2010/main" val="4137460080"/>
+        <p14:creationId xmlns:p14="http://schemas.microsoft.com/office/powerpoint/2010/main" val="4165235838"/>
       </p:ext>
     </p:extLst>
   </p:cSld>
@@ -6566,7 +7129,7 @@
           <p:cNvPr id="2" name="Titel 1">
             <a:extLst>
               <a:ext uri="{FF2B5EF4-FFF2-40B4-BE49-F238E27FC236}">
-                <a16:creationId xmlns:a16="http://schemas.microsoft.com/office/drawing/2014/main" id="{86744E0C-D049-A6E3-4158-D50C14AECD36}"/>
+                <a16:creationId xmlns:a16="http://schemas.microsoft.com/office/drawing/2014/main" id="{355216AC-352A-0339-621D-7FD38CC9187D}"/>
               </a:ext>
             </a:extLst>
           </p:cNvPr>
@@ -6582,16 +7145,31 @@
           <a:bodyPr/>
           <a:lstStyle/>
           <a:p>
-            <a:endParaRPr lang="de-DE" dirty="0"/>
-          </a:p>
-        </p:txBody>
-      </p:sp>
-      <p:sp>
-        <p:nvSpPr>
-          <p:cNvPr id="3" name="Textplatzhalter 2">
+            <a:r>
+              <a:rPr lang="de-DE" dirty="0" err="1"/>
+              <a:t>Remarkable</a:t>
+            </a:r>
+            <a:r>
+              <a:rPr lang="de-DE" dirty="0"/>
+              <a:t> </a:t>
+            </a:r>
+            <a:r>
+              <a:rPr lang="de-DE" dirty="0" err="1"/>
+              <a:t>achievements</a:t>
+            </a:r>
+            <a:r>
+              <a:rPr lang="de-DE" dirty="0"/>
+              <a:t> </a:t>
+            </a:r>
+          </a:p>
+        </p:txBody>
+      </p:sp>
+      <p:sp>
+        <p:nvSpPr>
+          <p:cNvPr id="3" name="Inhaltsplatzhalter 2">
             <a:extLst>
               <a:ext uri="{FF2B5EF4-FFF2-40B4-BE49-F238E27FC236}">
-                <a16:creationId xmlns:a16="http://schemas.microsoft.com/office/drawing/2014/main" id="{C98C9F81-8A68-AB70-AB8F-B55EDBBE05A2}"/>
+                <a16:creationId xmlns:a16="http://schemas.microsoft.com/office/drawing/2014/main" id="{2BF6404F-8662-247D-BC96-DA2597447F38}"/>
               </a:ext>
             </a:extLst>
           </p:cNvPr>
@@ -6599,7 +7177,7 @@
             <a:spLocks noGrp="1"/>
           </p:cNvSpPr>
           <p:nvPr>
-            <p:ph type="body" sz="half" idx="2"/>
+            <p:ph idx="1"/>
           </p:nvPr>
         </p:nvSpPr>
         <p:spPr/>
@@ -6609,8 +7187,62 @@
           <a:p>
             <a:r>
               <a:rPr lang="de-DE" dirty="0"/>
-              <a:t>Sources </a:t>
-            </a:r>
+              <a:t>Trigger Events</a:t>
+            </a:r>
+          </a:p>
+          <a:p>
+            <a:r>
+              <a:rPr lang="de-DE" dirty="0" err="1"/>
+              <a:t>Chatting</a:t>
+            </a:r>
+            <a:r>
+              <a:rPr lang="de-DE" dirty="0"/>
+              <a:t> System </a:t>
+            </a:r>
+          </a:p>
+          <a:p>
+            <a:r>
+              <a:rPr lang="de-DE" dirty="0" err="1"/>
+              <a:t>Inventory</a:t>
+            </a:r>
+            <a:r>
+              <a:rPr lang="de-DE" dirty="0"/>
+              <a:t> </a:t>
+            </a:r>
+          </a:p>
+          <a:p>
+            <a:pPr lvl="1"/>
+            <a:r>
+              <a:rPr lang="de-DE" dirty="0">
+                <a:hlinkClick r:id="rId2"/>
+              </a:rPr>
+              <a:t>https://www.youtube.com/watch?v=AoD_F1fSFFg&amp;list=WL&amp;index=1&amp;t=489s</a:t>
+            </a:r>
+            <a:endParaRPr lang="de-DE" dirty="0"/>
+          </a:p>
+          <a:p>
+            <a:r>
+              <a:rPr lang="de-DE" dirty="0"/>
+              <a:t>Use </a:t>
+            </a:r>
+            <a:r>
+              <a:rPr lang="de-DE" dirty="0" err="1"/>
+              <a:t>of</a:t>
+            </a:r>
+            <a:r>
+              <a:rPr lang="de-DE" dirty="0"/>
+              <a:t> Classes </a:t>
+            </a:r>
+          </a:p>
+          <a:p>
+            <a:r>
+              <a:rPr lang="de-DE" dirty="0"/>
+              <a:t>Canvas</a:t>
+            </a:r>
+          </a:p>
+          <a:p>
+            <a:pPr lvl="1"/>
+            <a:endParaRPr lang="de-DE" dirty="0"/>
           </a:p>
         </p:txBody>
       </p:sp>
@@ -6619,7 +7251,7 @@
           <p:cNvPr id="4" name="Datumsplatzhalter 3">
             <a:extLst>
               <a:ext uri="{FF2B5EF4-FFF2-40B4-BE49-F238E27FC236}">
-                <a16:creationId xmlns:a16="http://schemas.microsoft.com/office/drawing/2014/main" id="{E187FFDD-25BD-6C0E-C422-43E160B0BADD}"/>
+                <a16:creationId xmlns:a16="http://schemas.microsoft.com/office/drawing/2014/main" id="{F87538CB-453B-BBB0-6DF5-F59251999D5F}"/>
               </a:ext>
             </a:extLst>
           </p:cNvPr>
@@ -6635,9 +7267,9 @@
           <a:bodyPr/>
           <a:lstStyle/>
           <a:p>
-            <a:fld id="{35A87C9C-AFF9-C641-BE01-D95F8A42C547}" type="datetime1">
+            <a:fld id="{4B89D776-7214-E44D-A492-2D530B444FBC}" type="datetime1">
               <a:rPr lang="de-DE" smtClean="0"/>
-              <a:t>15.06.23</a:t>
+              <a:t>16.06.23</a:t>
             </a:fld>
             <a:endParaRPr lang="en-US" dirty="0"/>
           </a:p>
@@ -6648,7 +7280,7 @@
           <p:cNvPr id="5" name="Foliennummernplatzhalter 4">
             <a:extLst>
               <a:ext uri="{FF2B5EF4-FFF2-40B4-BE49-F238E27FC236}">
-                <a16:creationId xmlns:a16="http://schemas.microsoft.com/office/drawing/2014/main" id="{426CCB5A-2AAD-35ED-339C-202ED9CE500C}"/>
+                <a16:creationId xmlns:a16="http://schemas.microsoft.com/office/drawing/2014/main" id="{1D142A90-7D3A-9795-3726-C66862D5F6D5}"/>
               </a:ext>
             </a:extLst>
           </p:cNvPr>
@@ -6675,7 +7307,474 @@
     </p:spTree>
     <p:extLst>
       <p:ext uri="{BB962C8B-B14F-4D97-AF65-F5344CB8AC3E}">
-        <p14:creationId xmlns:p14="http://schemas.microsoft.com/office/powerpoint/2010/main" val="4165235838"/>
+        <p14:creationId xmlns:p14="http://schemas.microsoft.com/office/powerpoint/2010/main" val="1570402345"/>
+      </p:ext>
+    </p:extLst>
+  </p:cSld>
+  <p:clrMapOvr>
+    <a:masterClrMapping/>
+  </p:clrMapOvr>
+  <p:timing>
+    <p:tnLst>
+      <p:par>
+        <p:cTn id="1" dur="indefinite" restart="never" nodeType="tmRoot">
+          <p:childTnLst>
+            <p:seq concurrent="1" nextAc="seek">
+              <p:cTn id="2" dur="indefinite" nodeType="mainSeq">
+                <p:childTnLst>
+                  <p:par>
+                    <p:cTn id="3" fill="hold">
+                      <p:stCondLst>
+                        <p:cond delay="indefinite"/>
+                      </p:stCondLst>
+                      <p:childTnLst>
+                        <p:par>
+                          <p:cTn id="4" fill="hold">
+                            <p:stCondLst>
+                              <p:cond delay="0"/>
+                            </p:stCondLst>
+                            <p:childTnLst>
+                              <p:par>
+                                <p:cTn id="5" presetID="12" presetClass="entr" presetSubtype="4" fill="hold" nodeType="clickEffect">
+                                  <p:stCondLst>
+                                    <p:cond delay="0"/>
+                                  </p:stCondLst>
+                                  <p:childTnLst>
+                                    <p:set>
+                                      <p:cBhvr>
+                                        <p:cTn id="6" dur="1" fill="hold">
+                                          <p:stCondLst>
+                                            <p:cond delay="0"/>
+                                          </p:stCondLst>
+                                        </p:cTn>
+                                        <p:tgtEl>
+                                          <p:spTgt spid="3">
+                                            <p:txEl>
+                                              <p:pRg st="2" end="2"/>
+                                            </p:txEl>
+                                          </p:spTgt>
+                                        </p:tgtEl>
+                                        <p:attrNameLst>
+                                          <p:attrName>style.visibility</p:attrName>
+                                        </p:attrNameLst>
+                                      </p:cBhvr>
+                                      <p:to>
+                                        <p:strVal val="visible"/>
+                                      </p:to>
+                                    </p:set>
+                                    <p:anim calcmode="lin" valueType="num">
+                                      <p:cBhvr additive="base">
+                                        <p:cTn id="7" dur="500"/>
+                                        <p:tgtEl>
+                                          <p:spTgt spid="3">
+                                            <p:txEl>
+                                              <p:pRg st="2" end="2"/>
+                                            </p:txEl>
+                                          </p:spTgt>
+                                        </p:tgtEl>
+                                        <p:attrNameLst>
+                                          <p:attrName>ppt_y</p:attrName>
+                                        </p:attrNameLst>
+                                      </p:cBhvr>
+                                      <p:tavLst>
+                                        <p:tav tm="0">
+                                          <p:val>
+                                            <p:strVal val="#ppt_y+#ppt_h*1.125000"/>
+                                          </p:val>
+                                        </p:tav>
+                                        <p:tav tm="100000">
+                                          <p:val>
+                                            <p:strVal val="#ppt_y"/>
+                                          </p:val>
+                                        </p:tav>
+                                      </p:tavLst>
+                                    </p:anim>
+                                    <p:animEffect transition="in" filter="wipe(up)">
+                                      <p:cBhvr>
+                                        <p:cTn id="8" dur="500"/>
+                                        <p:tgtEl>
+                                          <p:spTgt spid="3">
+                                            <p:txEl>
+                                              <p:pRg st="2" end="2"/>
+                                            </p:txEl>
+                                          </p:spTgt>
+                                        </p:tgtEl>
+                                      </p:cBhvr>
+                                    </p:animEffect>
+                                  </p:childTnLst>
+                                </p:cTn>
+                              </p:par>
+                              <p:par>
+                                <p:cTn id="9" presetID="12" presetClass="entr" presetSubtype="4" fill="hold" nodeType="withEffect">
+                                  <p:stCondLst>
+                                    <p:cond delay="0"/>
+                                  </p:stCondLst>
+                                  <p:childTnLst>
+                                    <p:set>
+                                      <p:cBhvr>
+                                        <p:cTn id="10" dur="1" fill="hold">
+                                          <p:stCondLst>
+                                            <p:cond delay="0"/>
+                                          </p:stCondLst>
+                                        </p:cTn>
+                                        <p:tgtEl>
+                                          <p:spTgt spid="3">
+                                            <p:txEl>
+                                              <p:pRg st="3" end="3"/>
+                                            </p:txEl>
+                                          </p:spTgt>
+                                        </p:tgtEl>
+                                        <p:attrNameLst>
+                                          <p:attrName>style.visibility</p:attrName>
+                                        </p:attrNameLst>
+                                      </p:cBhvr>
+                                      <p:to>
+                                        <p:strVal val="visible"/>
+                                      </p:to>
+                                    </p:set>
+                                    <p:anim calcmode="lin" valueType="num">
+                                      <p:cBhvr additive="base">
+                                        <p:cTn id="11" dur="500"/>
+                                        <p:tgtEl>
+                                          <p:spTgt spid="3">
+                                            <p:txEl>
+                                              <p:pRg st="3" end="3"/>
+                                            </p:txEl>
+                                          </p:spTgt>
+                                        </p:tgtEl>
+                                        <p:attrNameLst>
+                                          <p:attrName>ppt_y</p:attrName>
+                                        </p:attrNameLst>
+                                      </p:cBhvr>
+                                      <p:tavLst>
+                                        <p:tav tm="0">
+                                          <p:val>
+                                            <p:strVal val="#ppt_y+#ppt_h*1.125000"/>
+                                          </p:val>
+                                        </p:tav>
+                                        <p:tav tm="100000">
+                                          <p:val>
+                                            <p:strVal val="#ppt_y"/>
+                                          </p:val>
+                                        </p:tav>
+                                      </p:tavLst>
+                                    </p:anim>
+                                    <p:animEffect transition="in" filter="wipe(up)">
+                                      <p:cBhvr>
+                                        <p:cTn id="12" dur="500"/>
+                                        <p:tgtEl>
+                                          <p:spTgt spid="3">
+                                            <p:txEl>
+                                              <p:pRg st="3" end="3"/>
+                                            </p:txEl>
+                                          </p:spTgt>
+                                        </p:tgtEl>
+                                      </p:cBhvr>
+                                    </p:animEffect>
+                                  </p:childTnLst>
+                                </p:cTn>
+                              </p:par>
+                            </p:childTnLst>
+                          </p:cTn>
+                        </p:par>
+                      </p:childTnLst>
+                    </p:cTn>
+                  </p:par>
+                  <p:par>
+                    <p:cTn id="13" fill="hold">
+                      <p:stCondLst>
+                        <p:cond delay="indefinite"/>
+                      </p:stCondLst>
+                      <p:childTnLst>
+                        <p:par>
+                          <p:cTn id="14" fill="hold">
+                            <p:stCondLst>
+                              <p:cond delay="0"/>
+                            </p:stCondLst>
+                            <p:childTnLst>
+                              <p:par>
+                                <p:cTn id="15" presetID="5" presetClass="entr" presetSubtype="10" fill="hold" nodeType="clickEffect">
+                                  <p:stCondLst>
+                                    <p:cond delay="0"/>
+                                  </p:stCondLst>
+                                  <p:childTnLst>
+                                    <p:set>
+                                      <p:cBhvr>
+                                        <p:cTn id="16" dur="1" fill="hold">
+                                          <p:stCondLst>
+                                            <p:cond delay="0"/>
+                                          </p:stCondLst>
+                                        </p:cTn>
+                                        <p:tgtEl>
+                                          <p:spTgt spid="3">
+                                            <p:txEl>
+                                              <p:pRg st="4" end="4"/>
+                                            </p:txEl>
+                                          </p:spTgt>
+                                        </p:tgtEl>
+                                        <p:attrNameLst>
+                                          <p:attrName>style.visibility</p:attrName>
+                                        </p:attrNameLst>
+                                      </p:cBhvr>
+                                      <p:to>
+                                        <p:strVal val="visible"/>
+                                      </p:to>
+                                    </p:set>
+                                    <p:animEffect transition="in" filter="checkerboard(across)">
+                                      <p:cBhvr>
+                                        <p:cTn id="17" dur="500"/>
+                                        <p:tgtEl>
+                                          <p:spTgt spid="3">
+                                            <p:txEl>
+                                              <p:pRg st="4" end="4"/>
+                                            </p:txEl>
+                                          </p:spTgt>
+                                        </p:tgtEl>
+                                      </p:cBhvr>
+                                    </p:animEffect>
+                                  </p:childTnLst>
+                                </p:cTn>
+                              </p:par>
+                              <p:par>
+                                <p:cTn id="18" presetID="5" presetClass="entr" presetSubtype="10" fill="hold" nodeType="withEffect">
+                                  <p:stCondLst>
+                                    <p:cond delay="0"/>
+                                  </p:stCondLst>
+                                  <p:childTnLst>
+                                    <p:set>
+                                      <p:cBhvr>
+                                        <p:cTn id="19" dur="1" fill="hold">
+                                          <p:stCondLst>
+                                            <p:cond delay="0"/>
+                                          </p:stCondLst>
+                                        </p:cTn>
+                                        <p:tgtEl>
+                                          <p:spTgt spid="3">
+                                            <p:txEl>
+                                              <p:pRg st="5" end="5"/>
+                                            </p:txEl>
+                                          </p:spTgt>
+                                        </p:tgtEl>
+                                        <p:attrNameLst>
+                                          <p:attrName>style.visibility</p:attrName>
+                                        </p:attrNameLst>
+                                      </p:cBhvr>
+                                      <p:to>
+                                        <p:strVal val="visible"/>
+                                      </p:to>
+                                    </p:set>
+                                    <p:animEffect transition="in" filter="checkerboard(across)">
+                                      <p:cBhvr>
+                                        <p:cTn id="20" dur="500"/>
+                                        <p:tgtEl>
+                                          <p:spTgt spid="3">
+                                            <p:txEl>
+                                              <p:pRg st="5" end="5"/>
+                                            </p:txEl>
+                                          </p:spTgt>
+                                        </p:tgtEl>
+                                      </p:cBhvr>
+                                    </p:animEffect>
+                                  </p:childTnLst>
+                                </p:cTn>
+                              </p:par>
+                            </p:childTnLst>
+                          </p:cTn>
+                        </p:par>
+                      </p:childTnLst>
+                    </p:cTn>
+                  </p:par>
+                </p:childTnLst>
+              </p:cTn>
+              <p:prevCondLst>
+                <p:cond evt="onPrev" delay="0">
+                  <p:tgtEl>
+                    <p:sldTgt/>
+                  </p:tgtEl>
+                </p:cond>
+              </p:prevCondLst>
+              <p:nextCondLst>
+                <p:cond evt="onNext" delay="0">
+                  <p:tgtEl>
+                    <p:sldTgt/>
+                  </p:tgtEl>
+                </p:cond>
+              </p:nextCondLst>
+            </p:seq>
+          </p:childTnLst>
+        </p:cTn>
+      </p:par>
+    </p:tnLst>
+  </p:timing>
+</p:sld>
+</file>
+
+<file path=ppt/slides/slide5.xml><?xml version="1.0" encoding="utf-8"?>
+<p:sld xmlns:a="http://schemas.openxmlformats.org/drawingml/2006/main" xmlns:r="http://schemas.openxmlformats.org/officeDocument/2006/relationships" xmlns:p="http://schemas.openxmlformats.org/presentationml/2006/main">
+  <p:cSld>
+    <p:spTree>
+      <p:nvGrpSpPr>
+        <p:cNvPr id="1" name=""/>
+        <p:cNvGrpSpPr/>
+        <p:nvPr/>
+      </p:nvGrpSpPr>
+      <p:grpSpPr>
+        <a:xfrm>
+          <a:off x="0" y="0"/>
+          <a:ext cx="0" cy="0"/>
+          <a:chOff x="0" y="0"/>
+          <a:chExt cx="0" cy="0"/>
+        </a:xfrm>
+      </p:grpSpPr>
+      <p:sp>
+        <p:nvSpPr>
+          <p:cNvPr id="2" name="Titel 1">
+            <a:extLst>
+              <a:ext uri="{FF2B5EF4-FFF2-40B4-BE49-F238E27FC236}">
+                <a16:creationId xmlns:a16="http://schemas.microsoft.com/office/drawing/2014/main" id="{314A205A-ED8E-71D2-EE96-55DE52A44451}"/>
+              </a:ext>
+            </a:extLst>
+          </p:cNvPr>
+          <p:cNvSpPr>
+            <a:spLocks noGrp="1"/>
+          </p:cNvSpPr>
+          <p:nvPr>
+            <p:ph type="title"/>
+          </p:nvPr>
+        </p:nvSpPr>
+        <p:spPr/>
+        <p:txBody>
+          <a:bodyPr/>
+          <a:lstStyle/>
+          <a:p>
+            <a:r>
+              <a:rPr lang="de-DE" dirty="0" err="1"/>
+              <a:t>Challanging</a:t>
+            </a:r>
+            <a:r>
+              <a:rPr lang="de-DE" dirty="0"/>
+              <a:t>  </a:t>
+            </a:r>
+            <a:r>
+              <a:rPr lang="de-DE" dirty="0" err="1"/>
+              <a:t>Aspects</a:t>
+            </a:r>
+            <a:endParaRPr lang="de-DE" dirty="0"/>
+          </a:p>
+        </p:txBody>
+      </p:sp>
+      <p:sp>
+        <p:nvSpPr>
+          <p:cNvPr id="3" name="Inhaltsplatzhalter 2">
+            <a:extLst>
+              <a:ext uri="{FF2B5EF4-FFF2-40B4-BE49-F238E27FC236}">
+                <a16:creationId xmlns:a16="http://schemas.microsoft.com/office/drawing/2014/main" id="{C383D86E-5C62-8D6F-282B-415A518A5BB1}"/>
+              </a:ext>
+            </a:extLst>
+          </p:cNvPr>
+          <p:cNvSpPr>
+            <a:spLocks noGrp="1"/>
+          </p:cNvSpPr>
+          <p:nvPr>
+            <p:ph idx="1"/>
+          </p:nvPr>
+        </p:nvSpPr>
+        <p:spPr/>
+        <p:txBody>
+          <a:bodyPr/>
+          <a:lstStyle/>
+          <a:p>
+            <a:r>
+              <a:rPr lang="de-DE" dirty="0" err="1"/>
+              <a:t>Inventory</a:t>
+            </a:r>
+            <a:endParaRPr lang="de-DE" dirty="0"/>
+          </a:p>
+          <a:p>
+            <a:r>
+              <a:rPr lang="de-DE" dirty="0"/>
+              <a:t>NPCs</a:t>
+            </a:r>
+          </a:p>
+          <a:p>
+            <a:r>
+              <a:rPr lang="de-DE" dirty="0"/>
+              <a:t>Photon Connection </a:t>
+            </a:r>
+          </a:p>
+          <a:p>
+            <a:pPr marL="0" indent="0">
+              <a:buNone/>
+            </a:pPr>
+            <a:r>
+              <a:rPr lang="de-DE" dirty="0"/>
+              <a:t> </a:t>
+            </a:r>
+          </a:p>
+        </p:txBody>
+      </p:sp>
+      <p:sp>
+        <p:nvSpPr>
+          <p:cNvPr id="4" name="Datumsplatzhalter 3">
+            <a:extLst>
+              <a:ext uri="{FF2B5EF4-FFF2-40B4-BE49-F238E27FC236}">
+                <a16:creationId xmlns:a16="http://schemas.microsoft.com/office/drawing/2014/main" id="{DD81AA6D-BDBB-B590-5AE8-ABB560906CF7}"/>
+              </a:ext>
+            </a:extLst>
+          </p:cNvPr>
+          <p:cNvSpPr>
+            <a:spLocks noGrp="1"/>
+          </p:cNvSpPr>
+          <p:nvPr>
+            <p:ph type="dt" sz="half" idx="10"/>
+          </p:nvPr>
+        </p:nvSpPr>
+        <p:spPr/>
+        <p:txBody>
+          <a:bodyPr/>
+          <a:lstStyle/>
+          <a:p>
+            <a:fld id="{4CC3F9E4-3BB8-EE4D-908B-71AF73A8789E}" type="datetime1">
+              <a:rPr lang="de-DE" smtClean="0"/>
+              <a:t>16.06.23</a:t>
+            </a:fld>
+            <a:endParaRPr lang="en-US" dirty="0"/>
+          </a:p>
+        </p:txBody>
+      </p:sp>
+      <p:sp>
+        <p:nvSpPr>
+          <p:cNvPr id="5" name="Foliennummernplatzhalter 4">
+            <a:extLst>
+              <a:ext uri="{FF2B5EF4-FFF2-40B4-BE49-F238E27FC236}">
+                <a16:creationId xmlns:a16="http://schemas.microsoft.com/office/drawing/2014/main" id="{0B23701B-9141-123F-2D91-5B8885947C90}"/>
+              </a:ext>
+            </a:extLst>
+          </p:cNvPr>
+          <p:cNvSpPr>
+            <a:spLocks noGrp="1"/>
+          </p:cNvSpPr>
+          <p:nvPr>
+            <p:ph type="sldNum" sz="quarter" idx="12"/>
+          </p:nvPr>
+        </p:nvSpPr>
+        <p:spPr/>
+        <p:txBody>
+          <a:bodyPr/>
+          <a:lstStyle/>
+          <a:p>
+            <a:fld id="{6D22F896-40B5-4ADD-8801-0D06FADFA095}" type="slidenum">
+              <a:rPr lang="en-US" smtClean="0"/>
+              <a:t>4</a:t>
+            </a:fld>
+            <a:endParaRPr lang="en-US" dirty="0"/>
+          </a:p>
+        </p:txBody>
+      </p:sp>
+    </p:spTree>
+    <p:extLst>
+      <p:ext uri="{BB962C8B-B14F-4D97-AF65-F5344CB8AC3E}">
+        <p14:creationId xmlns:p14="http://schemas.microsoft.com/office/powerpoint/2010/main" val="4137460080"/>
       </p:ext>
     </p:extLst>
   </p:cSld>
@@ -6685,7 +7784,166 @@
 </p:sld>
 </file>
 
-<file path=ppt/slides/slide5.xml><?xml version="1.0" encoding="utf-8"?>
+<file path=ppt/slides/slide6.xml><?xml version="1.0" encoding="utf-8"?>
+<p:sld xmlns:a="http://schemas.openxmlformats.org/drawingml/2006/main" xmlns:r="http://schemas.openxmlformats.org/officeDocument/2006/relationships" xmlns:p="http://schemas.openxmlformats.org/presentationml/2006/main">
+  <p:cSld>
+    <p:spTree>
+      <p:nvGrpSpPr>
+        <p:cNvPr id="1" name=""/>
+        <p:cNvGrpSpPr/>
+        <p:nvPr/>
+      </p:nvGrpSpPr>
+      <p:grpSpPr>
+        <a:xfrm>
+          <a:off x="0" y="0"/>
+          <a:ext cx="0" cy="0"/>
+          <a:chOff x="0" y="0"/>
+          <a:chExt cx="0" cy="0"/>
+        </a:xfrm>
+      </p:grpSpPr>
+      <p:pic>
+        <p:nvPicPr>
+          <p:cNvPr id="6" name="Grafik 5">
+            <a:extLst>
+              <a:ext uri="{FF2B5EF4-FFF2-40B4-BE49-F238E27FC236}">
+                <a16:creationId xmlns:a16="http://schemas.microsoft.com/office/drawing/2014/main" id="{4DBCC8FD-75DE-0A33-B494-37E059B94CD3}"/>
+              </a:ext>
+            </a:extLst>
+          </p:cNvPr>
+          <p:cNvPicPr>
+            <a:picLocks noChangeAspect="1"/>
+          </p:cNvPicPr>
+          <p:nvPr/>
+        </p:nvPicPr>
+        <p:blipFill>
+          <a:blip r:embed="rId2"/>
+          <a:stretch>
+            <a:fillRect/>
+          </a:stretch>
+        </p:blipFill>
+        <p:spPr>
+          <a:xfrm>
+            <a:off x="1850250" y="1214153"/>
+            <a:ext cx="7772400" cy="2214847"/>
+          </a:xfrm>
+          <a:prstGeom prst="rect">
+            <a:avLst/>
+          </a:prstGeom>
+        </p:spPr>
+      </p:pic>
+      <p:sp>
+        <p:nvSpPr>
+          <p:cNvPr id="3" name="Textplatzhalter 2">
+            <a:extLst>
+              <a:ext uri="{FF2B5EF4-FFF2-40B4-BE49-F238E27FC236}">
+                <a16:creationId xmlns:a16="http://schemas.microsoft.com/office/drawing/2014/main" id="{1B4C7A06-3B73-40EB-9406-CA5AB2B1CA5C}"/>
+              </a:ext>
+            </a:extLst>
+          </p:cNvPr>
+          <p:cNvSpPr>
+            <a:spLocks noGrp="1"/>
+          </p:cNvSpPr>
+          <p:nvPr>
+            <p:ph type="body" sz="half" idx="2"/>
+          </p:nvPr>
+        </p:nvSpPr>
+        <p:spPr/>
+        <p:txBody>
+          <a:bodyPr/>
+          <a:lstStyle/>
+          <a:p>
+            <a:r>
+              <a:rPr lang="de-DE" dirty="0"/>
+              <a:t>Problem </a:t>
+            </a:r>
+            <a:r>
+              <a:rPr lang="de-DE" dirty="0" err="1"/>
+              <a:t>While</a:t>
+            </a:r>
+            <a:r>
+              <a:rPr lang="de-DE" dirty="0"/>
+              <a:t> </a:t>
+            </a:r>
+            <a:r>
+              <a:rPr lang="de-DE" dirty="0" err="1"/>
+              <a:t>Programming</a:t>
+            </a:r>
+            <a:endParaRPr lang="de-DE" dirty="0"/>
+          </a:p>
+        </p:txBody>
+      </p:sp>
+      <p:sp>
+        <p:nvSpPr>
+          <p:cNvPr id="4" name="Datumsplatzhalter 3">
+            <a:extLst>
+              <a:ext uri="{FF2B5EF4-FFF2-40B4-BE49-F238E27FC236}">
+                <a16:creationId xmlns:a16="http://schemas.microsoft.com/office/drawing/2014/main" id="{A0E1580C-569D-982C-AA51-EC12D5E069C7}"/>
+              </a:ext>
+            </a:extLst>
+          </p:cNvPr>
+          <p:cNvSpPr>
+            <a:spLocks noGrp="1"/>
+          </p:cNvSpPr>
+          <p:nvPr>
+            <p:ph type="dt" sz="half" idx="10"/>
+          </p:nvPr>
+        </p:nvSpPr>
+        <p:spPr/>
+        <p:txBody>
+          <a:bodyPr/>
+          <a:lstStyle/>
+          <a:p>
+            <a:fld id="{1FA6DDE5-235D-9C4A-8CD4-A0D67C16DF64}" type="datetime1">
+              <a:rPr lang="de-DE" smtClean="0"/>
+              <a:t>16.06.23</a:t>
+            </a:fld>
+            <a:endParaRPr lang="en-US" dirty="0"/>
+          </a:p>
+        </p:txBody>
+      </p:sp>
+      <p:sp>
+        <p:nvSpPr>
+          <p:cNvPr id="5" name="Foliennummernplatzhalter 4">
+            <a:extLst>
+              <a:ext uri="{FF2B5EF4-FFF2-40B4-BE49-F238E27FC236}">
+                <a16:creationId xmlns:a16="http://schemas.microsoft.com/office/drawing/2014/main" id="{8CB0CE72-1FC9-CB1F-DE33-A55D5806E45C}"/>
+              </a:ext>
+            </a:extLst>
+          </p:cNvPr>
+          <p:cNvSpPr>
+            <a:spLocks noGrp="1"/>
+          </p:cNvSpPr>
+          <p:nvPr>
+            <p:ph type="sldNum" sz="quarter" idx="12"/>
+          </p:nvPr>
+        </p:nvSpPr>
+        <p:spPr/>
+        <p:txBody>
+          <a:bodyPr/>
+          <a:lstStyle/>
+          <a:p>
+            <a:fld id="{6D22F896-40B5-4ADD-8801-0D06FADFA095}" type="slidenum">
+              <a:rPr lang="en-US" smtClean="0"/>
+              <a:t>5</a:t>
+            </a:fld>
+            <a:endParaRPr lang="en-US" dirty="0"/>
+          </a:p>
+        </p:txBody>
+      </p:sp>
+    </p:spTree>
+    <p:extLst>
+      <p:ext uri="{BB962C8B-B14F-4D97-AF65-F5344CB8AC3E}">
+        <p14:creationId xmlns:p14="http://schemas.microsoft.com/office/powerpoint/2010/main" val="3340213870"/>
+      </p:ext>
+    </p:extLst>
+  </p:cSld>
+  <p:clrMapOvr>
+    <a:masterClrMapping/>
+  </p:clrMapOvr>
+</p:sld>
+</file>
+
+<file path=ppt/slides/slide7.xml><?xml version="1.0" encoding="utf-8"?>
 <p:sld xmlns:a="http://schemas.openxmlformats.org/drawingml/2006/main" xmlns:r="http://schemas.openxmlformats.org/officeDocument/2006/relationships" xmlns:p="http://schemas.openxmlformats.org/presentationml/2006/main">
   <p:cSld>
     <p:bg>
@@ -6806,23 +8064,26 @@
               <a:rPr lang="de-DE" sz="2000" dirty="0" err="1"/>
               <a:t>Structure</a:t>
             </a:r>
+            <a:endParaRPr lang="de-DE" sz="2000" dirty="0"/>
+          </a:p>
+          <a:p>
             <a:r>
               <a:rPr lang="de-DE" sz="2000" dirty="0"/>
-              <a:t>, </a:t>
+              <a:t>Design</a:t>
+            </a:r>
+          </a:p>
+          <a:p>
+            <a:r>
+              <a:rPr lang="de-DE" sz="2000" dirty="0"/>
+              <a:t>Scripts -&gt; </a:t>
             </a:r>
             <a:r>
               <a:rPr lang="de-DE" sz="2000" dirty="0" err="1"/>
-              <a:t>g.e</a:t>
+              <a:t>Hardcoded</a:t>
             </a:r>
             <a:r>
               <a:rPr lang="de-DE" sz="2000" dirty="0"/>
-              <a:t>. Scripts </a:t>
-            </a:r>
-          </a:p>
-          <a:p>
-            <a:r>
-              <a:rPr lang="de-DE" sz="2000" dirty="0"/>
-              <a:t>Design </a:t>
+              <a:t> Variables </a:t>
             </a:r>
           </a:p>
           <a:p>
@@ -6950,7 +8211,7 @@
           <a:p>
             <a:fld id="{3E93E384-D044-F240-872B-597C4B649CCE}" type="datetime1">
               <a:rPr lang="de-DE" smtClean="0"/>
-              <a:t>15.06.23</a:t>
+              <a:t>16.06.23</a:t>
             </a:fld>
             <a:endParaRPr lang="en-US" dirty="0"/>
           </a:p>
@@ -6979,12 +8240,102 @@
           <a:p>
             <a:fld id="{6D22F896-40B5-4ADD-8801-0D06FADFA095}" type="slidenum">
               <a:rPr lang="en-US" smtClean="0"/>
-              <a:t>4</a:t>
+              <a:t>6</a:t>
             </a:fld>
             <a:endParaRPr lang="en-US" dirty="0"/>
           </a:p>
         </p:txBody>
       </p:sp>
+      <p:pic>
+        <p:nvPicPr>
+          <p:cNvPr id="6" name="Grafik 5">
+            <a:extLst>
+              <a:ext uri="{FF2B5EF4-FFF2-40B4-BE49-F238E27FC236}">
+                <a16:creationId xmlns:a16="http://schemas.microsoft.com/office/drawing/2014/main" id="{4F1A970B-8C99-A24C-6B47-B8783143CEF2}"/>
+              </a:ext>
+            </a:extLst>
+          </p:cNvPr>
+          <p:cNvPicPr>
+            <a:picLocks noChangeAspect="1"/>
+          </p:cNvPicPr>
+          <p:nvPr/>
+        </p:nvPicPr>
+        <p:blipFill>
+          <a:blip r:embed="rId3"/>
+          <a:stretch>
+            <a:fillRect/>
+          </a:stretch>
+        </p:blipFill>
+        <p:spPr>
+          <a:xfrm>
+            <a:off x="6939252" y="630826"/>
+            <a:ext cx="2476500" cy="4203700"/>
+          </a:xfrm>
+          <a:prstGeom prst="rect">
+            <a:avLst/>
+          </a:prstGeom>
+        </p:spPr>
+      </p:pic>
+      <p:pic>
+        <p:nvPicPr>
+          <p:cNvPr id="7" name="Grafik 6">
+            <a:extLst>
+              <a:ext uri="{FF2B5EF4-FFF2-40B4-BE49-F238E27FC236}">
+                <a16:creationId xmlns:a16="http://schemas.microsoft.com/office/drawing/2014/main" id="{D813B519-DDF0-2A84-E39D-B1447FD6D9F3}"/>
+              </a:ext>
+            </a:extLst>
+          </p:cNvPr>
+          <p:cNvPicPr>
+            <a:picLocks noChangeAspect="1"/>
+          </p:cNvPicPr>
+          <p:nvPr/>
+        </p:nvPicPr>
+        <p:blipFill>
+          <a:blip r:embed="rId4"/>
+          <a:stretch>
+            <a:fillRect/>
+          </a:stretch>
+        </p:blipFill>
+        <p:spPr>
+          <a:xfrm>
+            <a:off x="5698808" y="810020"/>
+            <a:ext cx="5272246" cy="3845311"/>
+          </a:xfrm>
+          <a:prstGeom prst="rect">
+            <a:avLst/>
+          </a:prstGeom>
+        </p:spPr>
+      </p:pic>
+      <p:pic>
+        <p:nvPicPr>
+          <p:cNvPr id="9" name="Grafik 8">
+            <a:extLst>
+              <a:ext uri="{FF2B5EF4-FFF2-40B4-BE49-F238E27FC236}">
+                <a16:creationId xmlns:a16="http://schemas.microsoft.com/office/drawing/2014/main" id="{E9C2E7F9-4CA9-707D-E9D1-82546660BE03}"/>
+              </a:ext>
+            </a:extLst>
+          </p:cNvPr>
+          <p:cNvPicPr>
+            <a:picLocks noChangeAspect="1"/>
+          </p:cNvPicPr>
+          <p:nvPr/>
+        </p:nvPicPr>
+        <p:blipFill>
+          <a:blip r:embed="rId5"/>
+          <a:stretch>
+            <a:fillRect/>
+          </a:stretch>
+        </p:blipFill>
+        <p:spPr>
+          <a:xfrm>
+            <a:off x="5415601" y="1321389"/>
+            <a:ext cx="5588000" cy="3111500"/>
+          </a:xfrm>
+          <a:prstGeom prst="rect">
+            <a:avLst/>
+          </a:prstGeom>
+        </p:spPr>
+      </p:pic>
     </p:spTree>
     <p:extLst>
       <p:ext uri="{BB962C8B-B14F-4D97-AF65-F5344CB8AC3E}">
@@ -6995,10 +8346,343 @@
   <p:clrMapOvr>
     <a:masterClrMapping/>
   </p:clrMapOvr>
+  <p:timing>
+    <p:tnLst>
+      <p:par>
+        <p:cTn id="1" dur="indefinite" restart="never" nodeType="tmRoot">
+          <p:childTnLst>
+            <p:seq concurrent="1" nextAc="seek">
+              <p:cTn id="2" dur="indefinite" nodeType="mainSeq">
+                <p:childTnLst>
+                  <p:par>
+                    <p:cTn id="3" fill="hold">
+                      <p:stCondLst>
+                        <p:cond delay="indefinite"/>
+                      </p:stCondLst>
+                      <p:childTnLst>
+                        <p:par>
+                          <p:cTn id="4" fill="hold">
+                            <p:stCondLst>
+                              <p:cond delay="0"/>
+                            </p:stCondLst>
+                            <p:childTnLst>
+                              <p:par>
+                                <p:cTn id="5" presetID="9" presetClass="entr" presetSubtype="0" fill="hold" nodeType="clickEffect">
+                                  <p:stCondLst>
+                                    <p:cond delay="0"/>
+                                  </p:stCondLst>
+                                  <p:childTnLst>
+                                    <p:set>
+                                      <p:cBhvr>
+                                        <p:cTn id="6" dur="1" fill="hold">
+                                          <p:stCondLst>
+                                            <p:cond delay="0"/>
+                                          </p:stCondLst>
+                                        </p:cTn>
+                                        <p:tgtEl>
+                                          <p:spTgt spid="6"/>
+                                        </p:tgtEl>
+                                        <p:attrNameLst>
+                                          <p:attrName>style.visibility</p:attrName>
+                                        </p:attrNameLst>
+                                      </p:cBhvr>
+                                      <p:to>
+                                        <p:strVal val="visible"/>
+                                      </p:to>
+                                    </p:set>
+                                    <p:animEffect transition="in" filter="dissolve">
+                                      <p:cBhvr>
+                                        <p:cTn id="7" dur="500"/>
+                                        <p:tgtEl>
+                                          <p:spTgt spid="6"/>
+                                        </p:tgtEl>
+                                      </p:cBhvr>
+                                    </p:animEffect>
+                                  </p:childTnLst>
+                                </p:cTn>
+                              </p:par>
+                            </p:childTnLst>
+                          </p:cTn>
+                        </p:par>
+                      </p:childTnLst>
+                    </p:cTn>
+                  </p:par>
+                  <p:par>
+                    <p:cTn id="8" fill="hold">
+                      <p:stCondLst>
+                        <p:cond delay="indefinite"/>
+                      </p:stCondLst>
+                      <p:childTnLst>
+                        <p:par>
+                          <p:cTn id="9" fill="hold">
+                            <p:stCondLst>
+                              <p:cond delay="0"/>
+                            </p:stCondLst>
+                            <p:childTnLst>
+                              <p:par>
+                                <p:cTn id="10" presetID="10" presetClass="exit" presetSubtype="0" fill="hold" nodeType="clickEffect">
+                                  <p:stCondLst>
+                                    <p:cond delay="0"/>
+                                  </p:stCondLst>
+                                  <p:childTnLst>
+                                    <p:animEffect transition="out" filter="fade">
+                                      <p:cBhvr>
+                                        <p:cTn id="11" dur="500"/>
+                                        <p:tgtEl>
+                                          <p:spTgt spid="6"/>
+                                        </p:tgtEl>
+                                      </p:cBhvr>
+                                    </p:animEffect>
+                                    <p:set>
+                                      <p:cBhvr>
+                                        <p:cTn id="12" dur="1" fill="hold">
+                                          <p:stCondLst>
+                                            <p:cond delay="499"/>
+                                          </p:stCondLst>
+                                        </p:cTn>
+                                        <p:tgtEl>
+                                          <p:spTgt spid="6"/>
+                                        </p:tgtEl>
+                                        <p:attrNameLst>
+                                          <p:attrName>style.visibility</p:attrName>
+                                        </p:attrNameLst>
+                                      </p:cBhvr>
+                                      <p:to>
+                                        <p:strVal val="hidden"/>
+                                      </p:to>
+                                    </p:set>
+                                  </p:childTnLst>
+                                </p:cTn>
+                              </p:par>
+                            </p:childTnLst>
+                          </p:cTn>
+                        </p:par>
+                      </p:childTnLst>
+                    </p:cTn>
+                  </p:par>
+                  <p:par>
+                    <p:cTn id="13" fill="hold">
+                      <p:stCondLst>
+                        <p:cond delay="indefinite"/>
+                      </p:stCondLst>
+                      <p:childTnLst>
+                        <p:par>
+                          <p:cTn id="14" fill="hold">
+                            <p:stCondLst>
+                              <p:cond delay="0"/>
+                            </p:stCondLst>
+                            <p:childTnLst>
+                              <p:par>
+                                <p:cTn id="15" presetID="5" presetClass="entr" presetSubtype="10" fill="hold" nodeType="clickEffect">
+                                  <p:stCondLst>
+                                    <p:cond delay="0"/>
+                                  </p:stCondLst>
+                                  <p:childTnLst>
+                                    <p:set>
+                                      <p:cBhvr>
+                                        <p:cTn id="16" dur="1" fill="hold">
+                                          <p:stCondLst>
+                                            <p:cond delay="0"/>
+                                          </p:stCondLst>
+                                        </p:cTn>
+                                        <p:tgtEl>
+                                          <p:spTgt spid="7"/>
+                                        </p:tgtEl>
+                                        <p:attrNameLst>
+                                          <p:attrName>style.visibility</p:attrName>
+                                        </p:attrNameLst>
+                                      </p:cBhvr>
+                                      <p:to>
+                                        <p:strVal val="visible"/>
+                                      </p:to>
+                                    </p:set>
+                                    <p:animEffect transition="in" filter="checkerboard(across)">
+                                      <p:cBhvr>
+                                        <p:cTn id="17" dur="500"/>
+                                        <p:tgtEl>
+                                          <p:spTgt spid="7"/>
+                                        </p:tgtEl>
+                                      </p:cBhvr>
+                                    </p:animEffect>
+                                  </p:childTnLst>
+                                </p:cTn>
+                              </p:par>
+                            </p:childTnLst>
+                          </p:cTn>
+                        </p:par>
+                      </p:childTnLst>
+                    </p:cTn>
+                  </p:par>
+                  <p:par>
+                    <p:cTn id="18" fill="hold">
+                      <p:stCondLst>
+                        <p:cond delay="indefinite"/>
+                      </p:stCondLst>
+                      <p:childTnLst>
+                        <p:par>
+                          <p:cTn id="19" fill="hold">
+                            <p:stCondLst>
+                              <p:cond delay="0"/>
+                            </p:stCondLst>
+                            <p:childTnLst>
+                              <p:par>
+                                <p:cTn id="20" presetID="53" presetClass="exit" presetSubtype="32" fill="hold" nodeType="clickEffect">
+                                  <p:stCondLst>
+                                    <p:cond delay="0"/>
+                                  </p:stCondLst>
+                                  <p:childTnLst>
+                                    <p:anim calcmode="lin" valueType="num">
+                                      <p:cBhvr>
+                                        <p:cTn id="21" dur="500"/>
+                                        <p:tgtEl>
+                                          <p:spTgt spid="7"/>
+                                        </p:tgtEl>
+                                        <p:attrNameLst>
+                                          <p:attrName>ppt_w</p:attrName>
+                                        </p:attrNameLst>
+                                      </p:cBhvr>
+                                      <p:tavLst>
+                                        <p:tav tm="0">
+                                          <p:val>
+                                            <p:strVal val="ppt_w"/>
+                                          </p:val>
+                                        </p:tav>
+                                        <p:tav tm="100000">
+                                          <p:val>
+                                            <p:fltVal val="0"/>
+                                          </p:val>
+                                        </p:tav>
+                                      </p:tavLst>
+                                    </p:anim>
+                                    <p:anim calcmode="lin" valueType="num">
+                                      <p:cBhvr>
+                                        <p:cTn id="22" dur="500"/>
+                                        <p:tgtEl>
+                                          <p:spTgt spid="7"/>
+                                        </p:tgtEl>
+                                        <p:attrNameLst>
+                                          <p:attrName>ppt_h</p:attrName>
+                                        </p:attrNameLst>
+                                      </p:cBhvr>
+                                      <p:tavLst>
+                                        <p:tav tm="0">
+                                          <p:val>
+                                            <p:strVal val="ppt_h"/>
+                                          </p:val>
+                                        </p:tav>
+                                        <p:tav tm="100000">
+                                          <p:val>
+                                            <p:fltVal val="0"/>
+                                          </p:val>
+                                        </p:tav>
+                                      </p:tavLst>
+                                    </p:anim>
+                                    <p:animEffect transition="out" filter="fade">
+                                      <p:cBhvr>
+                                        <p:cTn id="23" dur="500"/>
+                                        <p:tgtEl>
+                                          <p:spTgt spid="7"/>
+                                        </p:tgtEl>
+                                      </p:cBhvr>
+                                    </p:animEffect>
+                                    <p:set>
+                                      <p:cBhvr>
+                                        <p:cTn id="24" dur="1" fill="hold">
+                                          <p:stCondLst>
+                                            <p:cond delay="499"/>
+                                          </p:stCondLst>
+                                        </p:cTn>
+                                        <p:tgtEl>
+                                          <p:spTgt spid="7"/>
+                                        </p:tgtEl>
+                                        <p:attrNameLst>
+                                          <p:attrName>style.visibility</p:attrName>
+                                        </p:attrNameLst>
+                                      </p:cBhvr>
+                                      <p:to>
+                                        <p:strVal val="hidden"/>
+                                      </p:to>
+                                    </p:set>
+                                  </p:childTnLst>
+                                </p:cTn>
+                              </p:par>
+                            </p:childTnLst>
+                          </p:cTn>
+                        </p:par>
+                      </p:childTnLst>
+                    </p:cTn>
+                  </p:par>
+                  <p:par>
+                    <p:cTn id="25" fill="hold">
+                      <p:stCondLst>
+                        <p:cond delay="indefinite"/>
+                      </p:stCondLst>
+                      <p:childTnLst>
+                        <p:par>
+                          <p:cTn id="26" fill="hold">
+                            <p:stCondLst>
+                              <p:cond delay="0"/>
+                            </p:stCondLst>
+                            <p:childTnLst>
+                              <p:par>
+                                <p:cTn id="27" presetID="1" presetClass="entr" presetSubtype="0" fill="hold" nodeType="clickEffect">
+                                  <p:stCondLst>
+                                    <p:cond delay="0"/>
+                                  </p:stCondLst>
+                                  <p:childTnLst>
+                                    <p:set>
+                                      <p:cBhvr>
+                                        <p:cTn id="28" dur="1" fill="hold">
+                                          <p:stCondLst>
+                                            <p:cond delay="0"/>
+                                          </p:stCondLst>
+                                        </p:cTn>
+                                        <p:tgtEl>
+                                          <p:spTgt spid="9"/>
+                                        </p:tgtEl>
+                                        <p:attrNameLst>
+                                          <p:attrName>style.visibility</p:attrName>
+                                        </p:attrNameLst>
+                                      </p:cBhvr>
+                                      <p:to>
+                                        <p:strVal val="visible"/>
+                                      </p:to>
+                                    </p:set>
+                                  </p:childTnLst>
+                                </p:cTn>
+                              </p:par>
+                            </p:childTnLst>
+                          </p:cTn>
+                        </p:par>
+                      </p:childTnLst>
+                    </p:cTn>
+                  </p:par>
+                </p:childTnLst>
+              </p:cTn>
+              <p:prevCondLst>
+                <p:cond evt="onPrev" delay="0">
+                  <p:tgtEl>
+                    <p:sldTgt/>
+                  </p:tgtEl>
+                </p:cond>
+              </p:prevCondLst>
+              <p:nextCondLst>
+                <p:cond evt="onNext" delay="0">
+                  <p:tgtEl>
+                    <p:sldTgt/>
+                  </p:tgtEl>
+                </p:cond>
+              </p:nextCondLst>
+            </p:seq>
+          </p:childTnLst>
+        </p:cTn>
+      </p:par>
+    </p:tnLst>
+  </p:timing>
 </p:sld>
 </file>
 
-<file path=ppt/slides/slide6.xml><?xml version="1.0" encoding="utf-8"?>
+<file path=ppt/slides/slide8.xml><?xml version="1.0" encoding="utf-8"?>
 <p:sld xmlns:a="http://schemas.openxmlformats.org/drawingml/2006/main" xmlns:r="http://schemas.openxmlformats.org/officeDocument/2006/relationships" xmlns:p="http://schemas.openxmlformats.org/presentationml/2006/main">
   <p:cSld>
     <p:bg>
@@ -7371,9 +9055,16 @@
             </a:r>
           </a:p>
           <a:p>
+            <a:pPr lvl="1"/>
+            <a:r>
+              <a:rPr lang="en-US" sz="1600" dirty="0"/>
+              <a:t>Keys </a:t>
+            </a:r>
+          </a:p>
+          <a:p>
             <a:r>
               <a:rPr lang="en-US" sz="1800" dirty="0"/>
-              <a:t>Harder Ghosts </a:t>
+              <a:t>More Intelligent Ghosts </a:t>
             </a:r>
           </a:p>
         </p:txBody>
@@ -7401,7 +9092,7 @@
           <a:p>
             <a:fld id="{16791484-0800-564E-862C-BAC02EC6F1DA}" type="datetime1">
               <a:rPr lang="de-DE" smtClean="0"/>
-              <a:t>15.06.23</a:t>
+              <a:t>16.06.23</a:t>
             </a:fld>
             <a:endParaRPr lang="en-US" dirty="0"/>
           </a:p>
@@ -7430,7 +9121,7 @@
           <a:p>
             <a:fld id="{6D22F896-40B5-4ADD-8801-0D06FADFA095}" type="slidenum">
               <a:rPr lang="en-US" smtClean="0"/>
-              <a:t>5</a:t>
+              <a:t>7</a:t>
             </a:fld>
             <a:endParaRPr lang="en-US" dirty="0"/>
           </a:p>
